--- a/cs501 Final.pptx
+++ b/cs501 Final.pptx
@@ -5,18 +5,18 @@
     <p:sldMasterId id="2147483648" r:id="rId1"/>
   </p:sldMasterIdLst>
   <p:notesMasterIdLst>
-    <p:notesMasterId r:id="rId4"/>
+    <p:notesMasterId r:id="rId11"/>
   </p:notesMasterIdLst>
   <p:sldIdLst>
-    <p:sldId id="288" r:id="rId3"/>
-    <p:sldId id="307" r:id="rId5"/>
-    <p:sldId id="298" r:id="rId6"/>
-    <p:sldId id="256" r:id="rId7"/>
-    <p:sldId id="257" r:id="rId8"/>
-    <p:sldId id="306" r:id="rId9"/>
-    <p:sldId id="263" r:id="rId10"/>
-    <p:sldId id="305" r:id="rId11"/>
-    <p:sldId id="290" r:id="rId12"/>
+    <p:sldId id="288" r:id="rId2"/>
+    <p:sldId id="307" r:id="rId3"/>
+    <p:sldId id="298" r:id="rId4"/>
+    <p:sldId id="256" r:id="rId5"/>
+    <p:sldId id="257" r:id="rId6"/>
+    <p:sldId id="306" r:id="rId7"/>
+    <p:sldId id="263" r:id="rId8"/>
+    <p:sldId id="305" r:id="rId9"/>
+    <p:sldId id="290" r:id="rId10"/>
   </p:sldIdLst>
   <p:sldSz cx="12192000" cy="6858000"/>
   <p:notesSz cx="6858000" cy="9144000"/>
@@ -115,6 +115,11 @@
       </a:defRPr>
     </a:lvl9pPr>
   </p:defaultTextStyle>
+  <p:extLst>
+    <p:ext uri="{EFAFB233-063F-42B5-8137-9DF3F51BA10A}">
+      <p15:sldGuideLst xmlns:p15="http://schemas.microsoft.com/office/powerpoint/2012/main"/>
+    </p:ext>
+  </p:extLst>
 </p:presentation>
 </file>
 
@@ -200,6 +205,7 @@
           <a:p>
             <a:fld id="{784D110A-9CF1-4EF5-8068-64B4DE6CF48D}" type="datetimeFigureOut">
               <a:rPr lang="zh-CN" altLang="en-US" smtClean="0"/>
+              <a:t>2025/12/16</a:t>
             </a:fld>
             <a:endParaRPr lang="zh-CN" altLang="en-US"/>
           </a:p>
@@ -266,7 +272,6 @@
               <a:rPr lang="zh-CN" altLang="en-US"/>
               <a:t>单击此处编辑母版文本样式</a:t>
             </a:r>
-            <a:endParaRPr lang="zh-CN" altLang="en-US"/>
           </a:p>
           <a:p>
             <a:pPr lvl="1"/>
@@ -274,7 +279,6 @@
               <a:rPr lang="zh-CN" altLang="en-US"/>
               <a:t>二级</a:t>
             </a:r>
-            <a:endParaRPr lang="zh-CN" altLang="en-US"/>
           </a:p>
           <a:p>
             <a:pPr lvl="2"/>
@@ -282,7 +286,6 @@
               <a:rPr lang="zh-CN" altLang="en-US"/>
               <a:t>三级</a:t>
             </a:r>
-            <a:endParaRPr lang="zh-CN" altLang="en-US"/>
           </a:p>
           <a:p>
             <a:pPr lvl="3"/>
@@ -290,7 +293,6 @@
               <a:rPr lang="zh-CN" altLang="en-US"/>
               <a:t>四级</a:t>
             </a:r>
-            <a:endParaRPr lang="zh-CN" altLang="en-US"/>
           </a:p>
           <a:p>
             <a:pPr lvl="4"/>
@@ -298,7 +300,6 @@
               <a:rPr lang="zh-CN" altLang="en-US"/>
               <a:t>五级</a:t>
             </a:r>
-            <a:endParaRPr lang="zh-CN" altLang="en-US"/>
           </a:p>
         </p:txBody>
       </p:sp>
@@ -362,6 +363,7 @@
           <a:p>
             <a:fld id="{6BB39CB8-6A4D-410E-AE32-A931C305A9B5}" type="slidenum">
               <a:rPr lang="zh-CN" altLang="en-US" smtClean="0"/>
+              <a:t>‹#›</a:t>
             </a:fld>
             <a:endParaRPr lang="zh-CN" altLang="en-US"/>
           </a:p>
@@ -530,6 +532,7 @@
           <a:p>
             <a:fld id="{6BB39CB8-6A4D-410E-AE32-A931C305A9B5}" type="slidenum">
               <a:rPr lang="zh-CN" altLang="en-US" smtClean="0"/>
+              <a:t>1</a:t>
             </a:fld>
             <a:endParaRPr lang="zh-CN" altLang="en-US"/>
           </a:p>
@@ -608,6 +611,7 @@
           <a:p>
             <a:fld id="{6BB39CB8-6A4D-410E-AE32-A931C305A9B5}" type="slidenum">
               <a:rPr lang="zh-CN" altLang="en-US" smtClean="0"/>
+              <a:t>2</a:t>
             </a:fld>
             <a:endParaRPr lang="zh-CN" altLang="en-US"/>
           </a:p>
@@ -686,6 +690,7 @@
           <a:p>
             <a:fld id="{6BB39CB8-6A4D-410E-AE32-A931C305A9B5}" type="slidenum">
               <a:rPr lang="zh-CN" altLang="en-US" smtClean="0"/>
+              <a:t>3</a:t>
             </a:fld>
             <a:endParaRPr lang="zh-CN" altLang="en-US"/>
           </a:p>
@@ -764,6 +769,7 @@
           <a:p>
             <a:fld id="{6BB39CB8-6A4D-410E-AE32-A931C305A9B5}" type="slidenum">
               <a:rPr lang="zh-CN" altLang="en-US" smtClean="0"/>
+              <a:t>6</a:t>
             </a:fld>
             <a:endParaRPr lang="zh-CN" altLang="en-US"/>
           </a:p>
@@ -778,7 +784,7 @@
 </file>
 
 <file path=ppt/notesSlides/notesSlide5.xml><?xml version="1.0" encoding="utf-8"?>
-<p:notes xmlns:a="http://schemas.openxmlformats.org/drawingml/2006/main" xmlns:r="http://schemas.openxmlformats.org/officeDocument/2006/relationships" xmlns:p="http://schemas.openxmlformats.org/presentationml/2006/main" showMasterPhAnim="0" showMasterSp="0">
+<p:notes xmlns:a="http://schemas.openxmlformats.org/drawingml/2006/main" xmlns:r="http://schemas.openxmlformats.org/officeDocument/2006/relationships" xmlns:p="http://schemas.openxmlformats.org/presentationml/2006/main" showMasterSp="0" showMasterPhAnim="0">
   <p:cSld>
     <p:spTree>
       <p:nvGrpSpPr>
@@ -869,6 +875,7 @@
               </a:spcAft>
               <a:buNone/>
             </a:pPr>
+            <a:endParaRPr/>
           </a:p>
         </p:txBody>
       </p:sp>
@@ -945,6 +952,7 @@
           <a:p>
             <a:fld id="{6BB39CB8-6A4D-410E-AE32-A931C305A9B5}" type="slidenum">
               <a:rPr lang="zh-CN" altLang="en-US" smtClean="0"/>
+              <a:t>8</a:t>
             </a:fld>
             <a:endParaRPr lang="zh-CN" altLang="en-US"/>
           </a:p>
@@ -1003,7 +1011,6 @@
               <a:rPr lang="zh-CN" altLang="en-US"/>
               <a:t>单击此处编辑母版标题样式</a:t>
             </a:r>
-            <a:endParaRPr lang="zh-CN" altLang="en-US"/>
           </a:p>
         </p:txBody>
       </p:sp>
@@ -1068,7 +1075,6 @@
               <a:rPr lang="zh-CN" altLang="en-US"/>
               <a:t>单击此处编辑母版副标题样式</a:t>
             </a:r>
-            <a:endParaRPr lang="zh-CN" altLang="en-US"/>
           </a:p>
         </p:txBody>
       </p:sp>
@@ -1089,6 +1095,7 @@
           <a:p>
             <a:fld id="{5B2D2BDD-B491-4712-BE2C-E289FEB30588}" type="datetimeFigureOut">
               <a:rPr lang="zh-CN" altLang="en-US" smtClean="0"/>
+              <a:t>2025/12/16</a:t>
             </a:fld>
             <a:endParaRPr lang="zh-CN" altLang="en-US"/>
           </a:p>
@@ -1130,6 +1137,7 @@
           <a:p>
             <a:fld id="{E35A1842-BEA8-4687-B965-B757CBD4444A}" type="slidenum">
               <a:rPr lang="zh-CN" altLang="en-US" smtClean="0"/>
+              <a:t>‹#›</a:t>
             </a:fld>
             <a:endParaRPr lang="zh-CN" altLang="en-US"/>
           </a:p>
@@ -1179,7 +1187,6 @@
               <a:rPr lang="zh-CN" altLang="en-US"/>
               <a:t>单击此处编辑母版标题样式</a:t>
             </a:r>
-            <a:endParaRPr lang="zh-CN" altLang="en-US"/>
           </a:p>
         </p:txBody>
       </p:sp>
@@ -1203,7 +1210,6 @@
               <a:rPr lang="zh-CN" altLang="en-US"/>
               <a:t>单击此处编辑母版文本样式</a:t>
             </a:r>
-            <a:endParaRPr lang="zh-CN" altLang="en-US"/>
           </a:p>
           <a:p>
             <a:pPr lvl="1"/>
@@ -1211,7 +1217,6 @@
               <a:rPr lang="zh-CN" altLang="en-US"/>
               <a:t>二级</a:t>
             </a:r>
-            <a:endParaRPr lang="zh-CN" altLang="en-US"/>
           </a:p>
           <a:p>
             <a:pPr lvl="2"/>
@@ -1219,7 +1224,6 @@
               <a:rPr lang="zh-CN" altLang="en-US"/>
               <a:t>三级</a:t>
             </a:r>
-            <a:endParaRPr lang="zh-CN" altLang="en-US"/>
           </a:p>
           <a:p>
             <a:pPr lvl="3"/>
@@ -1227,7 +1231,6 @@
               <a:rPr lang="zh-CN" altLang="en-US"/>
               <a:t>四级</a:t>
             </a:r>
-            <a:endParaRPr lang="zh-CN" altLang="en-US"/>
           </a:p>
           <a:p>
             <a:pPr lvl="4"/>
@@ -1235,7 +1238,6 @@
               <a:rPr lang="zh-CN" altLang="en-US"/>
               <a:t>五级</a:t>
             </a:r>
-            <a:endParaRPr lang="zh-CN" altLang="en-US"/>
           </a:p>
         </p:txBody>
       </p:sp>
@@ -1256,6 +1258,7 @@
           <a:p>
             <a:fld id="{5B2D2BDD-B491-4712-BE2C-E289FEB30588}" type="datetimeFigureOut">
               <a:rPr lang="zh-CN" altLang="en-US" smtClean="0"/>
+              <a:t>2025/12/16</a:t>
             </a:fld>
             <a:endParaRPr lang="zh-CN" altLang="en-US"/>
           </a:p>
@@ -1297,6 +1300,7 @@
           <a:p>
             <a:fld id="{E35A1842-BEA8-4687-B965-B757CBD4444A}" type="slidenum">
               <a:rPr lang="zh-CN" altLang="en-US" smtClean="0"/>
+              <a:t>‹#›</a:t>
             </a:fld>
             <a:endParaRPr lang="zh-CN" altLang="en-US"/>
           </a:p>
@@ -1351,7 +1355,6 @@
               <a:rPr lang="zh-CN" altLang="en-US"/>
               <a:t>单击此处编辑母版标题样式</a:t>
             </a:r>
-            <a:endParaRPr lang="zh-CN" altLang="en-US"/>
           </a:p>
         </p:txBody>
       </p:sp>
@@ -1380,7 +1383,6 @@
               <a:rPr lang="zh-CN" altLang="en-US"/>
               <a:t>单击此处编辑母版文本样式</a:t>
             </a:r>
-            <a:endParaRPr lang="zh-CN" altLang="en-US"/>
           </a:p>
           <a:p>
             <a:pPr lvl="1"/>
@@ -1388,7 +1390,6 @@
               <a:rPr lang="zh-CN" altLang="en-US"/>
               <a:t>二级</a:t>
             </a:r>
-            <a:endParaRPr lang="zh-CN" altLang="en-US"/>
           </a:p>
           <a:p>
             <a:pPr lvl="2"/>
@@ -1396,7 +1397,6 @@
               <a:rPr lang="zh-CN" altLang="en-US"/>
               <a:t>三级</a:t>
             </a:r>
-            <a:endParaRPr lang="zh-CN" altLang="en-US"/>
           </a:p>
           <a:p>
             <a:pPr lvl="3"/>
@@ -1404,7 +1404,6 @@
               <a:rPr lang="zh-CN" altLang="en-US"/>
               <a:t>四级</a:t>
             </a:r>
-            <a:endParaRPr lang="zh-CN" altLang="en-US"/>
           </a:p>
           <a:p>
             <a:pPr lvl="4"/>
@@ -1412,7 +1411,6 @@
               <a:rPr lang="zh-CN" altLang="en-US"/>
               <a:t>五级</a:t>
             </a:r>
-            <a:endParaRPr lang="zh-CN" altLang="en-US"/>
           </a:p>
         </p:txBody>
       </p:sp>
@@ -1433,6 +1431,7 @@
           <a:p>
             <a:fld id="{5B2D2BDD-B491-4712-BE2C-E289FEB30588}" type="datetimeFigureOut">
               <a:rPr lang="zh-CN" altLang="en-US" smtClean="0"/>
+              <a:t>2025/12/16</a:t>
             </a:fld>
             <a:endParaRPr lang="zh-CN" altLang="en-US"/>
           </a:p>
@@ -1474,6 +1473,7 @@
           <a:p>
             <a:fld id="{E35A1842-BEA8-4687-B965-B757CBD4444A}" type="slidenum">
               <a:rPr lang="zh-CN" altLang="en-US" smtClean="0"/>
+              <a:t>‹#›</a:t>
             </a:fld>
             <a:endParaRPr lang="zh-CN" altLang="en-US"/>
           </a:p>
@@ -1488,7 +1488,7 @@
 </file>
 
 <file path=ppt/slideLayouts/slideLayout12.xml><?xml version="1.0" encoding="utf-8"?>
-<p:sldLayout xmlns:a="http://schemas.openxmlformats.org/drawingml/2006/main" xmlns:r="http://schemas.openxmlformats.org/officeDocument/2006/relationships" xmlns:p="http://schemas.openxmlformats.org/presentationml/2006/main" type="tx" matchingName="Title and body">
+<p:sldLayout xmlns:a="http://schemas.openxmlformats.org/drawingml/2006/main" xmlns:r="http://schemas.openxmlformats.org/officeDocument/2006/relationships" xmlns:p="http://schemas.openxmlformats.org/presentationml/2006/main" matchingName="Title and body" type="tx">
   <p:cSld name="Title and body">
     <p:spTree>
       <p:nvGrpSpPr>
@@ -1628,7 +1628,9 @@
               <a:defRPr/>
             </a:lvl9pPr>
           </a:lstStyle>
-          <a:p/>
+          <a:p>
+            <a:endParaRPr/>
+          </a:p>
         </p:txBody>
       </p:sp>
       <p:sp>
@@ -1755,7 +1757,9 @@
               <a:defRPr/>
             </a:lvl9pPr>
           </a:lstStyle>
-          <a:p/>
+          <a:p>
+            <a:endParaRPr/>
+          </a:p>
         </p:txBody>
       </p:sp>
       <p:sp>
@@ -1822,6 +1826,7 @@
           <a:p>
             <a:fld id="{00000000-1234-1234-1234-123412341234}" type="slidenum">
               <a:rPr lang="en-GB" smtClean="0"/>
+              <a:t>‹#›</a:t>
             </a:fld>
             <a:endParaRPr lang="en-GB"/>
           </a:p>
@@ -1871,7 +1876,6 @@
               <a:rPr lang="zh-CN" altLang="en-US"/>
               <a:t>单击此处编辑母版标题样式</a:t>
             </a:r>
-            <a:endParaRPr lang="zh-CN" altLang="en-US"/>
           </a:p>
         </p:txBody>
       </p:sp>
@@ -1895,7 +1899,6 @@
               <a:rPr lang="zh-CN" altLang="en-US"/>
               <a:t>单击此处编辑母版文本样式</a:t>
             </a:r>
-            <a:endParaRPr lang="zh-CN" altLang="en-US"/>
           </a:p>
           <a:p>
             <a:pPr lvl="1"/>
@@ -1903,7 +1906,6 @@
               <a:rPr lang="zh-CN" altLang="en-US"/>
               <a:t>二级</a:t>
             </a:r>
-            <a:endParaRPr lang="zh-CN" altLang="en-US"/>
           </a:p>
           <a:p>
             <a:pPr lvl="2"/>
@@ -1911,7 +1913,6 @@
               <a:rPr lang="zh-CN" altLang="en-US"/>
               <a:t>三级</a:t>
             </a:r>
-            <a:endParaRPr lang="zh-CN" altLang="en-US"/>
           </a:p>
           <a:p>
             <a:pPr lvl="3"/>
@@ -1919,7 +1920,6 @@
               <a:rPr lang="zh-CN" altLang="en-US"/>
               <a:t>四级</a:t>
             </a:r>
-            <a:endParaRPr lang="zh-CN" altLang="en-US"/>
           </a:p>
           <a:p>
             <a:pPr lvl="4"/>
@@ -1927,7 +1927,6 @@
               <a:rPr lang="zh-CN" altLang="en-US"/>
               <a:t>五级</a:t>
             </a:r>
-            <a:endParaRPr lang="zh-CN" altLang="en-US"/>
           </a:p>
         </p:txBody>
       </p:sp>
@@ -1948,6 +1947,7 @@
           <a:p>
             <a:fld id="{5B2D2BDD-B491-4712-BE2C-E289FEB30588}" type="datetimeFigureOut">
               <a:rPr lang="zh-CN" altLang="en-US" smtClean="0"/>
+              <a:t>2025/12/16</a:t>
             </a:fld>
             <a:endParaRPr lang="zh-CN" altLang="en-US"/>
           </a:p>
@@ -1989,6 +1989,7 @@
           <a:p>
             <a:fld id="{E35A1842-BEA8-4687-B965-B757CBD4444A}" type="slidenum">
               <a:rPr lang="zh-CN" altLang="en-US" smtClean="0"/>
+              <a:t>‹#›</a:t>
             </a:fld>
             <a:endParaRPr lang="zh-CN" altLang="en-US"/>
           </a:p>
@@ -2047,7 +2048,6 @@
               <a:rPr lang="zh-CN" altLang="en-US"/>
               <a:t>单击此处编辑母版标题样式</a:t>
             </a:r>
-            <a:endParaRPr lang="zh-CN" altLang="en-US"/>
           </a:p>
         </p:txBody>
       </p:sp>
@@ -2167,7 +2167,6 @@
               <a:rPr lang="zh-CN" altLang="en-US"/>
               <a:t>单击此处编辑母版文本样式</a:t>
             </a:r>
-            <a:endParaRPr lang="zh-CN" altLang="en-US"/>
           </a:p>
         </p:txBody>
       </p:sp>
@@ -2188,6 +2187,7 @@
           <a:p>
             <a:fld id="{5B2D2BDD-B491-4712-BE2C-E289FEB30588}" type="datetimeFigureOut">
               <a:rPr lang="zh-CN" altLang="en-US" smtClean="0"/>
+              <a:t>2025/12/16</a:t>
             </a:fld>
             <a:endParaRPr lang="zh-CN" altLang="en-US"/>
           </a:p>
@@ -2229,6 +2229,7 @@
           <a:p>
             <a:fld id="{E35A1842-BEA8-4687-B965-B757CBD4444A}" type="slidenum">
               <a:rPr lang="zh-CN" altLang="en-US" smtClean="0"/>
+              <a:t>‹#›</a:t>
             </a:fld>
             <a:endParaRPr lang="zh-CN" altLang="en-US"/>
           </a:p>
@@ -2278,7 +2279,6 @@
               <a:rPr lang="zh-CN" altLang="en-US"/>
               <a:t>单击此处编辑母版标题样式</a:t>
             </a:r>
-            <a:endParaRPr lang="zh-CN" altLang="en-US"/>
           </a:p>
         </p:txBody>
       </p:sp>
@@ -2307,7 +2307,6 @@
               <a:rPr lang="zh-CN" altLang="en-US"/>
               <a:t>单击此处编辑母版文本样式</a:t>
             </a:r>
-            <a:endParaRPr lang="zh-CN" altLang="en-US"/>
           </a:p>
           <a:p>
             <a:pPr lvl="1"/>
@@ -2315,7 +2314,6 @@
               <a:rPr lang="zh-CN" altLang="en-US"/>
               <a:t>二级</a:t>
             </a:r>
-            <a:endParaRPr lang="zh-CN" altLang="en-US"/>
           </a:p>
           <a:p>
             <a:pPr lvl="2"/>
@@ -2323,7 +2321,6 @@
               <a:rPr lang="zh-CN" altLang="en-US"/>
               <a:t>三级</a:t>
             </a:r>
-            <a:endParaRPr lang="zh-CN" altLang="en-US"/>
           </a:p>
           <a:p>
             <a:pPr lvl="3"/>
@@ -2331,7 +2328,6 @@
               <a:rPr lang="zh-CN" altLang="en-US"/>
               <a:t>四级</a:t>
             </a:r>
-            <a:endParaRPr lang="zh-CN" altLang="en-US"/>
           </a:p>
           <a:p>
             <a:pPr lvl="4"/>
@@ -2339,7 +2335,6 @@
               <a:rPr lang="zh-CN" altLang="en-US"/>
               <a:t>五级</a:t>
             </a:r>
-            <a:endParaRPr lang="zh-CN" altLang="en-US"/>
           </a:p>
         </p:txBody>
       </p:sp>
@@ -2368,7 +2363,6 @@
               <a:rPr lang="zh-CN" altLang="en-US"/>
               <a:t>单击此处编辑母版文本样式</a:t>
             </a:r>
-            <a:endParaRPr lang="zh-CN" altLang="en-US"/>
           </a:p>
           <a:p>
             <a:pPr lvl="1"/>
@@ -2376,7 +2370,6 @@
               <a:rPr lang="zh-CN" altLang="en-US"/>
               <a:t>二级</a:t>
             </a:r>
-            <a:endParaRPr lang="zh-CN" altLang="en-US"/>
           </a:p>
           <a:p>
             <a:pPr lvl="2"/>
@@ -2384,7 +2377,6 @@
               <a:rPr lang="zh-CN" altLang="en-US"/>
               <a:t>三级</a:t>
             </a:r>
-            <a:endParaRPr lang="zh-CN" altLang="en-US"/>
           </a:p>
           <a:p>
             <a:pPr lvl="3"/>
@@ -2392,7 +2384,6 @@
               <a:rPr lang="zh-CN" altLang="en-US"/>
               <a:t>四级</a:t>
             </a:r>
-            <a:endParaRPr lang="zh-CN" altLang="en-US"/>
           </a:p>
           <a:p>
             <a:pPr lvl="4"/>
@@ -2400,7 +2391,6 @@
               <a:rPr lang="zh-CN" altLang="en-US"/>
               <a:t>五级</a:t>
             </a:r>
-            <a:endParaRPr lang="zh-CN" altLang="en-US"/>
           </a:p>
         </p:txBody>
       </p:sp>
@@ -2421,6 +2411,7 @@
           <a:p>
             <a:fld id="{5B2D2BDD-B491-4712-BE2C-E289FEB30588}" type="datetimeFigureOut">
               <a:rPr lang="zh-CN" altLang="en-US" smtClean="0"/>
+              <a:t>2025/12/16</a:t>
             </a:fld>
             <a:endParaRPr lang="zh-CN" altLang="en-US"/>
           </a:p>
@@ -2462,6 +2453,7 @@
           <a:p>
             <a:fld id="{E35A1842-BEA8-4687-B965-B757CBD4444A}" type="slidenum">
               <a:rPr lang="zh-CN" altLang="en-US" smtClean="0"/>
+              <a:t>‹#›</a:t>
             </a:fld>
             <a:endParaRPr lang="zh-CN" altLang="en-US"/>
           </a:p>
@@ -2516,7 +2508,6 @@
               <a:rPr lang="zh-CN" altLang="en-US"/>
               <a:t>单击此处编辑母版标题样式</a:t>
             </a:r>
-            <a:endParaRPr lang="zh-CN" altLang="en-US"/>
           </a:p>
         </p:txBody>
       </p:sp>
@@ -2582,7 +2573,6 @@
               <a:rPr lang="zh-CN" altLang="en-US"/>
               <a:t>单击此处编辑母版文本样式</a:t>
             </a:r>
-            <a:endParaRPr lang="zh-CN" altLang="en-US"/>
           </a:p>
         </p:txBody>
       </p:sp>
@@ -2611,7 +2601,6 @@
               <a:rPr lang="zh-CN" altLang="en-US"/>
               <a:t>单击此处编辑母版文本样式</a:t>
             </a:r>
-            <a:endParaRPr lang="zh-CN" altLang="en-US"/>
           </a:p>
           <a:p>
             <a:pPr lvl="1"/>
@@ -2619,7 +2608,6 @@
               <a:rPr lang="zh-CN" altLang="en-US"/>
               <a:t>二级</a:t>
             </a:r>
-            <a:endParaRPr lang="zh-CN" altLang="en-US"/>
           </a:p>
           <a:p>
             <a:pPr lvl="2"/>
@@ -2627,7 +2615,6 @@
               <a:rPr lang="zh-CN" altLang="en-US"/>
               <a:t>三级</a:t>
             </a:r>
-            <a:endParaRPr lang="zh-CN" altLang="en-US"/>
           </a:p>
           <a:p>
             <a:pPr lvl="3"/>
@@ -2635,7 +2622,6 @@
               <a:rPr lang="zh-CN" altLang="en-US"/>
               <a:t>四级</a:t>
             </a:r>
-            <a:endParaRPr lang="zh-CN" altLang="en-US"/>
           </a:p>
           <a:p>
             <a:pPr lvl="4"/>
@@ -2643,7 +2629,6 @@
               <a:rPr lang="zh-CN" altLang="en-US"/>
               <a:t>五级</a:t>
             </a:r>
-            <a:endParaRPr lang="zh-CN" altLang="en-US"/>
           </a:p>
         </p:txBody>
       </p:sp>
@@ -2709,7 +2694,6 @@
               <a:rPr lang="zh-CN" altLang="en-US"/>
               <a:t>单击此处编辑母版文本样式</a:t>
             </a:r>
-            <a:endParaRPr lang="zh-CN" altLang="en-US"/>
           </a:p>
         </p:txBody>
       </p:sp>
@@ -2738,7 +2722,6 @@
               <a:rPr lang="zh-CN" altLang="en-US"/>
               <a:t>单击此处编辑母版文本样式</a:t>
             </a:r>
-            <a:endParaRPr lang="zh-CN" altLang="en-US"/>
           </a:p>
           <a:p>
             <a:pPr lvl="1"/>
@@ -2746,7 +2729,6 @@
               <a:rPr lang="zh-CN" altLang="en-US"/>
               <a:t>二级</a:t>
             </a:r>
-            <a:endParaRPr lang="zh-CN" altLang="en-US"/>
           </a:p>
           <a:p>
             <a:pPr lvl="2"/>
@@ -2754,7 +2736,6 @@
               <a:rPr lang="zh-CN" altLang="en-US"/>
               <a:t>三级</a:t>
             </a:r>
-            <a:endParaRPr lang="zh-CN" altLang="en-US"/>
           </a:p>
           <a:p>
             <a:pPr lvl="3"/>
@@ -2762,7 +2743,6 @@
               <a:rPr lang="zh-CN" altLang="en-US"/>
               <a:t>四级</a:t>
             </a:r>
-            <a:endParaRPr lang="zh-CN" altLang="en-US"/>
           </a:p>
           <a:p>
             <a:pPr lvl="4"/>
@@ -2770,7 +2750,6 @@
               <a:rPr lang="zh-CN" altLang="en-US"/>
               <a:t>五级</a:t>
             </a:r>
-            <a:endParaRPr lang="zh-CN" altLang="en-US"/>
           </a:p>
         </p:txBody>
       </p:sp>
@@ -2791,6 +2770,7 @@
           <a:p>
             <a:fld id="{5B2D2BDD-B491-4712-BE2C-E289FEB30588}" type="datetimeFigureOut">
               <a:rPr lang="zh-CN" altLang="en-US" smtClean="0"/>
+              <a:t>2025/12/16</a:t>
             </a:fld>
             <a:endParaRPr lang="zh-CN" altLang="en-US"/>
           </a:p>
@@ -2832,6 +2812,7 @@
           <a:p>
             <a:fld id="{E35A1842-BEA8-4687-B965-B757CBD4444A}" type="slidenum">
               <a:rPr lang="zh-CN" altLang="en-US" smtClean="0"/>
+              <a:t>‹#›</a:t>
             </a:fld>
             <a:endParaRPr lang="zh-CN" altLang="en-US"/>
           </a:p>
@@ -2881,7 +2862,6 @@
               <a:rPr lang="zh-CN" altLang="en-US"/>
               <a:t>单击此处编辑母版标题样式</a:t>
             </a:r>
-            <a:endParaRPr lang="zh-CN" altLang="en-US"/>
           </a:p>
         </p:txBody>
       </p:sp>
@@ -2902,6 +2882,7 @@
           <a:p>
             <a:fld id="{5B2D2BDD-B491-4712-BE2C-E289FEB30588}" type="datetimeFigureOut">
               <a:rPr lang="zh-CN" altLang="en-US" smtClean="0"/>
+              <a:t>2025/12/16</a:t>
             </a:fld>
             <a:endParaRPr lang="zh-CN" altLang="en-US"/>
           </a:p>
@@ -2943,6 +2924,7 @@
           <a:p>
             <a:fld id="{E35A1842-BEA8-4687-B965-B757CBD4444A}" type="slidenum">
               <a:rPr lang="zh-CN" altLang="en-US" smtClean="0"/>
+              <a:t>‹#›</a:t>
             </a:fld>
             <a:endParaRPr lang="zh-CN" altLang="en-US"/>
           </a:p>
@@ -2990,6 +2972,7 @@
           <a:p>
             <a:fld id="{5B2D2BDD-B491-4712-BE2C-E289FEB30588}" type="datetimeFigureOut">
               <a:rPr lang="zh-CN" altLang="en-US" smtClean="0"/>
+              <a:t>2025/12/16</a:t>
             </a:fld>
             <a:endParaRPr lang="zh-CN" altLang="en-US"/>
           </a:p>
@@ -3031,6 +3014,7 @@
           <a:p>
             <a:fld id="{E35A1842-BEA8-4687-B965-B757CBD4444A}" type="slidenum">
               <a:rPr lang="zh-CN" altLang="en-US" smtClean="0"/>
+              <a:t>‹#›</a:t>
             </a:fld>
             <a:endParaRPr lang="zh-CN" altLang="en-US"/>
           </a:p>
@@ -3089,7 +3073,6 @@
               <a:rPr lang="zh-CN" altLang="en-US"/>
               <a:t>单击此处编辑母版标题样式</a:t>
             </a:r>
-            <a:endParaRPr lang="zh-CN" altLang="en-US"/>
           </a:p>
         </p:txBody>
       </p:sp>
@@ -3146,7 +3129,6 @@
               <a:rPr lang="zh-CN" altLang="en-US"/>
               <a:t>单击此处编辑母版文本样式</a:t>
             </a:r>
-            <a:endParaRPr lang="zh-CN" altLang="en-US"/>
           </a:p>
           <a:p>
             <a:pPr lvl="1"/>
@@ -3154,7 +3136,6 @@
               <a:rPr lang="zh-CN" altLang="en-US"/>
               <a:t>二级</a:t>
             </a:r>
-            <a:endParaRPr lang="zh-CN" altLang="en-US"/>
           </a:p>
           <a:p>
             <a:pPr lvl="2"/>
@@ -3162,7 +3143,6 @@
               <a:rPr lang="zh-CN" altLang="en-US"/>
               <a:t>三级</a:t>
             </a:r>
-            <a:endParaRPr lang="zh-CN" altLang="en-US"/>
           </a:p>
           <a:p>
             <a:pPr lvl="3"/>
@@ -3170,7 +3150,6 @@
               <a:rPr lang="zh-CN" altLang="en-US"/>
               <a:t>四级</a:t>
             </a:r>
-            <a:endParaRPr lang="zh-CN" altLang="en-US"/>
           </a:p>
           <a:p>
             <a:pPr lvl="4"/>
@@ -3178,7 +3157,6 @@
               <a:rPr lang="zh-CN" altLang="en-US"/>
               <a:t>五级</a:t>
             </a:r>
-            <a:endParaRPr lang="zh-CN" altLang="en-US"/>
           </a:p>
         </p:txBody>
       </p:sp>
@@ -3244,7 +3222,6 @@
               <a:rPr lang="zh-CN" altLang="en-US"/>
               <a:t>单击此处编辑母版文本样式</a:t>
             </a:r>
-            <a:endParaRPr lang="zh-CN" altLang="en-US"/>
           </a:p>
         </p:txBody>
       </p:sp>
@@ -3265,6 +3242,7 @@
           <a:p>
             <a:fld id="{5B2D2BDD-B491-4712-BE2C-E289FEB30588}" type="datetimeFigureOut">
               <a:rPr lang="zh-CN" altLang="en-US" smtClean="0"/>
+              <a:t>2025/12/16</a:t>
             </a:fld>
             <a:endParaRPr lang="zh-CN" altLang="en-US"/>
           </a:p>
@@ -3306,6 +3284,7 @@
           <a:p>
             <a:fld id="{E35A1842-BEA8-4687-B965-B757CBD4444A}" type="slidenum">
               <a:rPr lang="zh-CN" altLang="en-US" smtClean="0"/>
+              <a:t>‹#›</a:t>
             </a:fld>
             <a:endParaRPr lang="zh-CN" altLang="en-US"/>
           </a:p>
@@ -3364,7 +3343,6 @@
               <a:rPr lang="zh-CN" altLang="en-US"/>
               <a:t>单击此处编辑母版标题样式</a:t>
             </a:r>
-            <a:endParaRPr lang="zh-CN" altLang="en-US"/>
           </a:p>
         </p:txBody>
       </p:sp>
@@ -3491,7 +3469,6 @@
               <a:rPr lang="zh-CN" altLang="en-US"/>
               <a:t>单击此处编辑母版文本样式</a:t>
             </a:r>
-            <a:endParaRPr lang="zh-CN" altLang="en-US"/>
           </a:p>
         </p:txBody>
       </p:sp>
@@ -3512,6 +3489,7 @@
           <a:p>
             <a:fld id="{5B2D2BDD-B491-4712-BE2C-E289FEB30588}" type="datetimeFigureOut">
               <a:rPr lang="zh-CN" altLang="en-US" smtClean="0"/>
+              <a:t>2025/12/16</a:t>
             </a:fld>
             <a:endParaRPr lang="zh-CN" altLang="en-US"/>
           </a:p>
@@ -3553,6 +3531,7 @@
           <a:p>
             <a:fld id="{E35A1842-BEA8-4687-B965-B757CBD4444A}" type="slidenum">
               <a:rPr lang="zh-CN" altLang="en-US" smtClean="0"/>
+              <a:t>‹#›</a:t>
             </a:fld>
             <a:endParaRPr lang="zh-CN" altLang="en-US"/>
           </a:p>
@@ -3617,7 +3596,6 @@
               <a:rPr lang="zh-CN" altLang="en-US"/>
               <a:t>单击此处编辑母版标题样式</a:t>
             </a:r>
-            <a:endParaRPr lang="zh-CN" altLang="en-US"/>
           </a:p>
         </p:txBody>
       </p:sp>
@@ -3651,7 +3629,6 @@
               <a:rPr lang="zh-CN" altLang="en-US"/>
               <a:t>单击此处编辑母版文本样式</a:t>
             </a:r>
-            <a:endParaRPr lang="zh-CN" altLang="en-US"/>
           </a:p>
           <a:p>
             <a:pPr lvl="1"/>
@@ -3659,7 +3636,6 @@
               <a:rPr lang="zh-CN" altLang="en-US"/>
               <a:t>二级</a:t>
             </a:r>
-            <a:endParaRPr lang="zh-CN" altLang="en-US"/>
           </a:p>
           <a:p>
             <a:pPr lvl="2"/>
@@ -3667,7 +3643,6 @@
               <a:rPr lang="zh-CN" altLang="en-US"/>
               <a:t>三级</a:t>
             </a:r>
-            <a:endParaRPr lang="zh-CN" altLang="en-US"/>
           </a:p>
           <a:p>
             <a:pPr lvl="3"/>
@@ -3675,7 +3650,6 @@
               <a:rPr lang="zh-CN" altLang="en-US"/>
               <a:t>四级</a:t>
             </a:r>
-            <a:endParaRPr lang="zh-CN" altLang="en-US"/>
           </a:p>
           <a:p>
             <a:pPr lvl="4"/>
@@ -3683,7 +3657,6 @@
               <a:rPr lang="zh-CN" altLang="en-US"/>
               <a:t>五级</a:t>
             </a:r>
-            <a:endParaRPr lang="zh-CN" altLang="en-US"/>
           </a:p>
         </p:txBody>
       </p:sp>
@@ -3722,6 +3695,7 @@
           <a:p>
             <a:fld id="{5B2D2BDD-B491-4712-BE2C-E289FEB30588}" type="datetimeFigureOut">
               <a:rPr lang="zh-CN" altLang="en-US" smtClean="0"/>
+              <a:t>2025/12/16</a:t>
             </a:fld>
             <a:endParaRPr lang="zh-CN" altLang="en-US"/>
           </a:p>
@@ -3799,6 +3773,7 @@
           <a:p>
             <a:fld id="{E35A1842-BEA8-4687-B965-B757CBD4444A}" type="slidenum">
               <a:rPr lang="zh-CN" altLang="en-US" smtClean="0"/>
+              <a:t>‹#›</a:t>
             </a:fld>
             <a:endParaRPr lang="zh-CN" altLang="en-US"/>
           </a:p>
@@ -4130,7 +4105,7 @@
           <p:nvPr/>
         </p:nvPicPr>
         <p:blipFill rotWithShape="1">
-          <a:blip r:embed="rId1" cstate="screen"/>
+          <a:blip r:embed="rId3" cstate="screen"/>
           <a:srcRect/>
           <a:stretch>
             <a:fillRect/>
@@ -4197,7 +4172,7 @@
                 </a:solidFill>
                 <a:cs typeface="+mn-ea"/>
                 <a:sym typeface="+mn-lt"/>
-                <a:hlinkClick r:id="rId2"/>
+                <a:hlinkClick r:id="rId4"/>
               </a:rPr>
               <a:t>https://github.com/buChloeCLY/CS501-Project-DealTracker</a:t>
             </a:r>
@@ -4213,15 +4188,6 @@
               </a:rPr>
               <a:t> </a:t>
             </a:r>
-            <a:endParaRPr lang="en-US" altLang="zh-CN" sz="2000" b="1" dirty="0">
-              <a:solidFill>
-                <a:schemeClr val="bg1">
-                  <a:lumMod val="50000"/>
-                </a:schemeClr>
-              </a:solidFill>
-              <a:cs typeface="+mn-ea"/>
-              <a:sym typeface="+mn-lt"/>
-            </a:endParaRPr>
           </a:p>
         </p:txBody>
       </p:sp>
@@ -4358,15 +4324,6 @@
               </a:rPr>
               <a:t> Fan</a:t>
             </a:r>
-            <a:endParaRPr lang="en-US" altLang="zh-CN" sz="2400" b="1" dirty="0">
-              <a:solidFill>
-                <a:schemeClr val="bg1">
-                  <a:lumMod val="65000"/>
-                </a:schemeClr>
-              </a:solidFill>
-              <a:cs typeface="+mn-ea"/>
-              <a:sym typeface="+mn-lt"/>
-            </a:endParaRPr>
           </a:p>
         </p:txBody>
       </p:sp>
@@ -4404,7 +4361,7 @@
           <p:nvPr/>
         </p:nvPicPr>
         <p:blipFill rotWithShape="1">
-          <a:blip r:embed="rId1" cstate="screen"/>
+          <a:blip r:embed="rId3" cstate="screen"/>
           <a:srcRect/>
           <a:stretch>
             <a:fillRect/>
@@ -4446,7 +4403,6 @@
               <a:rPr lang="en-US" altLang="zh-CN" sz="2800" b="1" dirty="0"/>
               <a:t>Problem Statement &amp; Solution </a:t>
             </a:r>
-            <a:endParaRPr lang="en-US" altLang="zh-CN" sz="2800" b="1" dirty="0"/>
           </a:p>
         </p:txBody>
       </p:sp>
@@ -4476,7 +4432,6 @@
               <a:rPr lang="en-US" altLang="zh-CN" sz="2000" b="1" dirty="0"/>
               <a:t>Problem:</a:t>
             </a:r>
-            <a:endParaRPr lang="en-US" altLang="zh-CN" sz="2000" b="1" dirty="0"/>
           </a:p>
           <a:p>
             <a:pPr marL="285750" indent="-285750">
@@ -4487,7 +4442,6 @@
               <a:rPr lang="en-US" altLang="zh-CN" sz="2000" dirty="0"/>
               <a:t>Online price comparison is fragmented and time-consuming</a:t>
             </a:r>
-            <a:endParaRPr lang="en-US" altLang="zh-CN" sz="2000" dirty="0"/>
           </a:p>
           <a:p>
             <a:pPr marL="285750" indent="-285750">
@@ -4498,7 +4452,6 @@
               <a:rPr lang="en-US" altLang="zh-CN" sz="2000" dirty="0"/>
               <a:t>Prices vary across platforms for the same product</a:t>
             </a:r>
-            <a:endParaRPr lang="en-US" altLang="zh-CN" sz="2000" dirty="0"/>
           </a:p>
           <a:p>
             <a:pPr marL="285750" indent="-285750">
@@ -4509,7 +4462,6 @@
               <a:rPr lang="en-US" altLang="zh-CN" sz="2000" dirty="0"/>
               <a:t>Users often miss short-term discounts</a:t>
             </a:r>
-            <a:endParaRPr lang="en-US" altLang="zh-CN" sz="2000" dirty="0"/>
           </a:p>
           <a:p>
             <a:pPr marL="285750" indent="-285750">
@@ -4520,7 +4472,6 @@
               <a:rPr lang="en-US" altLang="zh-CN" sz="2000" dirty="0"/>
               <a:t>Generic recommendations ignore personal interests</a:t>
             </a:r>
-            <a:endParaRPr lang="en-US" altLang="zh-CN" sz="2000" dirty="0"/>
           </a:p>
           <a:p>
             <a:pPr marL="285750" indent="-285750">
@@ -4534,7 +4485,6 @@
               <a:rPr lang="en-US" altLang="zh-CN" sz="2000" b="1" dirty="0"/>
               <a:t>User Need:</a:t>
             </a:r>
-            <a:endParaRPr lang="en-US" altLang="zh-CN" sz="2000" b="1" dirty="0"/>
           </a:p>
           <a:p>
             <a:pPr marL="285750" indent="-285750">
@@ -4545,7 +4495,6 @@
               <a:rPr lang="en-US" altLang="zh-CN" sz="2000" dirty="0"/>
               <a:t>A fast and centralized way to compare prices</a:t>
             </a:r>
-            <a:endParaRPr lang="en-US" altLang="zh-CN" sz="2000" dirty="0"/>
           </a:p>
           <a:p>
             <a:pPr marL="285750" indent="-285750">
@@ -4556,7 +4505,6 @@
               <a:rPr lang="en-US" altLang="zh-CN" sz="2000" dirty="0"/>
               <a:t>Timely alerts for price drops</a:t>
             </a:r>
-            <a:endParaRPr lang="en-US" altLang="zh-CN" sz="2000" dirty="0"/>
           </a:p>
           <a:p>
             <a:pPr marL="285750" indent="-285750">
@@ -4567,7 +4515,6 @@
               <a:rPr lang="en-US" altLang="zh-CN" sz="2000" dirty="0"/>
               <a:t>Relevant, personalized product discovery</a:t>
             </a:r>
-            <a:endParaRPr lang="en-US" altLang="zh-CN" sz="2000" dirty="0"/>
           </a:p>
           <a:p>
             <a:endParaRPr lang="en-US" altLang="zh-CN" sz="2000" b="1" dirty="0"/>
@@ -4577,7 +4524,6 @@
               <a:rPr lang="en-US" altLang="zh-CN" sz="2000" b="1" dirty="0"/>
               <a:t>Solution:</a:t>
             </a:r>
-            <a:endParaRPr lang="en-US" altLang="zh-CN" sz="2000" b="1" dirty="0"/>
           </a:p>
           <a:p>
             <a:pPr marL="285750" indent="-285750">
@@ -4588,7 +4534,6 @@
               <a:rPr lang="en-US" altLang="zh-CN" sz="2000" dirty="0"/>
               <a:t>Unified search across multiple e-commerce platforms</a:t>
             </a:r>
-            <a:endParaRPr lang="en-US" altLang="zh-CN" sz="2000" dirty="0"/>
           </a:p>
           <a:p>
             <a:pPr marL="285750" indent="-285750">
@@ -4599,7 +4544,6 @@
               <a:rPr lang="en-US" altLang="zh-CN" sz="2000" dirty="0"/>
               <a:t>Real-time price comparison powered by APIs</a:t>
             </a:r>
-            <a:endParaRPr lang="en-US" altLang="zh-CN" sz="2000" dirty="0"/>
           </a:p>
           <a:p>
             <a:pPr marL="285750" indent="-285750">
@@ -4610,7 +4554,6 @@
               <a:rPr lang="en-US" altLang="zh-CN" sz="2000" dirty="0"/>
               <a:t>Price tracking with notifications</a:t>
             </a:r>
-            <a:endParaRPr lang="en-US" altLang="zh-CN" sz="2000" dirty="0"/>
           </a:p>
           <a:p>
             <a:pPr marL="285750" indent="-285750">
@@ -4621,7 +4564,6 @@
               <a:rPr lang="en-US" altLang="zh-CN" sz="2000" dirty="0"/>
               <a:t>Personalized recommendations based on user behavior</a:t>
             </a:r>
-            <a:endParaRPr lang="en-US" altLang="zh-CN" sz="2000" dirty="0"/>
           </a:p>
         </p:txBody>
       </p:sp>
@@ -4659,7 +4601,7 @@
           <p:nvPr/>
         </p:nvPicPr>
         <p:blipFill rotWithShape="1">
-          <a:blip r:embed="rId1" cstate="screen"/>
+          <a:blip r:embed="rId3" cstate="screen"/>
           <a:srcRect/>
           <a:stretch>
             <a:fillRect/>
@@ -4701,7 +4643,6 @@
               <a:rPr lang="en-US" altLang="zh-CN" sz="2800" b="1" dirty="0"/>
               <a:t>Live demo</a:t>
             </a:r>
-            <a:endParaRPr lang="en-US" altLang="zh-CN" sz="2800" b="1" dirty="0"/>
           </a:p>
         </p:txBody>
       </p:sp>
@@ -4739,7 +4680,7 @@
           <p:nvPr/>
         </p:nvPicPr>
         <p:blipFill>
-          <a:blip r:embed="rId1"/>
+          <a:blip r:embed="rId2"/>
           <a:stretch>
             <a:fillRect/>
           </a:stretch>
@@ -4788,6 +4729,7 @@
           <a:lstStyle/>
           <a:p>
             <a:pPr algn="ctr"/>
+            <a:endParaRPr/>
           </a:p>
         </p:txBody>
       </p:sp>
@@ -4800,7 +4742,7 @@
           <p:nvPr/>
         </p:nvPicPr>
         <p:blipFill>
-          <a:blip r:embed="rId2"/>
+          <a:blip r:embed="rId3"/>
           <a:stretch>
             <a:fillRect/>
           </a:stretch>
@@ -4829,7 +4771,7 @@
           <p:nvPr/>
         </p:nvPicPr>
         <p:blipFill>
-          <a:blip r:embed="rId3"/>
+          <a:blip r:embed="rId4"/>
           <a:stretch>
             <a:fillRect/>
           </a:stretch>
@@ -4892,7 +4834,7 @@
           <p:nvPr/>
         </p:nvPicPr>
         <p:blipFill>
-          <a:blip r:embed="rId4"/>
+          <a:blip r:embed="rId5"/>
           <a:stretch>
             <a:fillRect/>
           </a:stretch>
@@ -4937,7 +4879,9 @@
         <p:txBody>
           <a:bodyPr lIns="45719" rIns="45719"/>
           <a:lstStyle/>
-          <a:p/>
+          <a:p>
+            <a:endParaRPr/>
+          </a:p>
         </p:txBody>
       </p:sp>
       <p:sp>
@@ -4965,7 +4909,9 @@
         <p:txBody>
           <a:bodyPr lIns="45719" rIns="45719"/>
           <a:lstStyle/>
-          <a:p/>
+          <a:p>
+            <a:endParaRPr/>
+          </a:p>
         </p:txBody>
       </p:sp>
       <p:sp>
@@ -4993,7 +4939,9 @@
         <p:txBody>
           <a:bodyPr lIns="45719" rIns="45719"/>
           <a:lstStyle/>
-          <a:p/>
+          <a:p>
+            <a:endParaRPr/>
+          </a:p>
         </p:txBody>
       </p:sp>
       <p:pic>
@@ -5005,7 +4953,7 @@
           <p:nvPr/>
         </p:nvPicPr>
         <p:blipFill>
-          <a:blip r:embed="rId5"/>
+          <a:blip r:embed="rId6"/>
           <a:stretch>
             <a:fillRect/>
           </a:stretch>
@@ -5034,7 +4982,7 @@
           <p:nvPr/>
         </p:nvPicPr>
         <p:blipFill>
-          <a:blip r:embed="rId2"/>
+          <a:blip r:embed="rId3"/>
           <a:stretch>
             <a:fillRect/>
           </a:stretch>
@@ -5063,7 +5011,7 @@
           <p:nvPr/>
         </p:nvPicPr>
         <p:blipFill>
-          <a:blip r:embed="rId3"/>
+          <a:blip r:embed="rId4"/>
           <a:srcRect/>
           <a:stretch>
             <a:fillRect/>
@@ -5093,7 +5041,7 @@
           <p:nvPr/>
         </p:nvPicPr>
         <p:blipFill>
-          <a:blip r:embed="rId5"/>
+          <a:blip r:embed="rId6"/>
           <a:stretch>
             <a:fillRect/>
           </a:stretch>
@@ -5122,7 +5070,7 @@
           <p:nvPr/>
         </p:nvPicPr>
         <p:blipFill>
-          <a:blip r:embed="rId4"/>
+          <a:blip r:embed="rId5"/>
           <a:stretch>
             <a:fillRect/>
           </a:stretch>
@@ -5560,7 +5508,7 @@
           <p:nvPr/>
         </p:nvPicPr>
         <p:blipFill>
-          <a:blip r:embed="rId1"/>
+          <a:blip r:embed="rId2"/>
           <a:stretch>
             <a:fillRect/>
           </a:stretch>
@@ -5613,6 +5561,7 @@
             <a:pPr algn="ctr">
               <a:defRPr sz="2400"/>
             </a:pPr>
+            <a:endParaRPr/>
           </a:p>
         </p:txBody>
       </p:sp>
@@ -5649,6 +5598,7 @@
             <a:pPr algn="ctr">
               <a:defRPr sz="2400"/>
             </a:pPr>
+            <a:endParaRPr/>
           </a:p>
         </p:txBody>
       </p:sp>
@@ -5723,6 +5673,7 @@
             <a:pPr algn="ctr">
               <a:defRPr sz="2400"/>
             </a:pPr>
+            <a:endParaRPr/>
           </a:p>
         </p:txBody>
       </p:sp>
@@ -5775,6 +5726,7 @@
               <a:pPr algn="ctr">
                 <a:defRPr sz="1600"/>
               </a:pPr>
+              <a:endParaRPr/>
             </a:p>
           </p:txBody>
         </p:sp>
@@ -5865,6 +5817,7 @@
               <a:pPr algn="ctr">
                 <a:defRPr sz="1600"/>
               </a:pPr>
+              <a:endParaRPr/>
             </a:p>
           </p:txBody>
         </p:sp>
@@ -5955,6 +5908,7 @@
               <a:pPr algn="ctr">
                 <a:defRPr sz="1600"/>
               </a:pPr>
+              <a:endParaRPr/>
             </a:p>
           </p:txBody>
         </p:sp>
@@ -6045,6 +5999,7 @@
               <a:pPr algn="ctr">
                 <a:defRPr sz="1600"/>
               </a:pPr>
+              <a:endParaRPr/>
             </a:p>
           </p:txBody>
         </p:sp>
@@ -6135,6 +6090,7 @@
               <a:pPr algn="ctr">
                 <a:defRPr sz="1600"/>
               </a:pPr>
+              <a:endParaRPr/>
             </a:p>
           </p:txBody>
         </p:sp>
@@ -6225,6 +6181,7 @@
               <a:pPr algn="ctr">
                 <a:defRPr sz="1600"/>
               </a:pPr>
+              <a:endParaRPr/>
             </a:p>
           </p:txBody>
         </p:sp>
@@ -6315,6 +6272,7 @@
               <a:pPr algn="ctr">
                 <a:defRPr sz="1600"/>
               </a:pPr>
+              <a:endParaRPr/>
             </a:p>
           </p:txBody>
         </p:sp>
@@ -6405,6 +6363,7 @@
               <a:pPr algn="ctr">
                 <a:defRPr sz="1600"/>
               </a:pPr>
+              <a:endParaRPr/>
             </a:p>
           </p:txBody>
         </p:sp>
@@ -6495,6 +6454,7 @@
               <a:pPr algn="ctr">
                 <a:defRPr sz="1600"/>
               </a:pPr>
+              <a:endParaRPr/>
             </a:p>
           </p:txBody>
         </p:sp>
@@ -6585,6 +6545,7 @@
               <a:pPr algn="ctr">
                 <a:defRPr sz="1600"/>
               </a:pPr>
+              <a:endParaRPr/>
             </a:p>
           </p:txBody>
         </p:sp>
@@ -6680,7 +6641,9 @@
         <p:txBody>
           <a:bodyPr/>
           <a:lstStyle/>
-          <a:p/>
+          <a:p>
+            <a:endParaRPr/>
+          </a:p>
         </p:txBody>
       </p:sp>
       <p:sp>
@@ -6737,7 +6700,9 @@
         <p:txBody>
           <a:bodyPr/>
           <a:lstStyle/>
-          <a:p/>
+          <a:p>
+            <a:endParaRPr/>
+          </a:p>
         </p:txBody>
       </p:sp>
       <p:sp>
@@ -6764,7 +6729,9 @@
         <p:txBody>
           <a:bodyPr lIns="45719" rIns="45719"/>
           <a:lstStyle/>
-          <a:p/>
+          <a:p>
+            <a:endParaRPr/>
+          </a:p>
         </p:txBody>
       </p:sp>
       <p:sp>
@@ -6791,7 +6758,9 @@
         <p:txBody>
           <a:bodyPr lIns="45719" rIns="45719"/>
           <a:lstStyle/>
-          <a:p/>
+          <a:p>
+            <a:endParaRPr/>
+          </a:p>
         </p:txBody>
       </p:sp>
       <p:sp>
@@ -6818,7 +6787,9 @@
         <p:txBody>
           <a:bodyPr lIns="45719" rIns="45719"/>
           <a:lstStyle/>
-          <a:p/>
+          <a:p>
+            <a:endParaRPr/>
+          </a:p>
         </p:txBody>
       </p:sp>
       <p:sp>
@@ -6845,7 +6816,9 @@
         <p:txBody>
           <a:bodyPr lIns="45719" rIns="45719"/>
           <a:lstStyle/>
-          <a:p/>
+          <a:p>
+            <a:endParaRPr/>
+          </a:p>
         </p:txBody>
       </p:sp>
       <p:sp>
@@ -7051,6 +7024,7 @@
               <a:pPr algn="ctr">
                 <a:defRPr sz="1400"/>
               </a:pPr>
+              <a:endParaRPr/>
             </a:p>
           </p:txBody>
         </p:sp>
@@ -7143,6 +7117,7 @@
               <a:pPr algn="ctr">
                 <a:defRPr sz="1400"/>
               </a:pPr>
+              <a:endParaRPr/>
             </a:p>
           </p:txBody>
         </p:sp>
@@ -7235,6 +7210,7 @@
               <a:pPr algn="ctr">
                 <a:defRPr sz="1200"/>
               </a:pPr>
+              <a:endParaRPr/>
             </a:p>
           </p:txBody>
         </p:sp>
@@ -7365,7 +7341,9 @@
         <p:txBody>
           <a:bodyPr/>
           <a:lstStyle/>
-          <a:p/>
+          <a:p>
+            <a:endParaRPr/>
+          </a:p>
         </p:txBody>
       </p:sp>
       <p:sp>
@@ -7439,6 +7417,7 @@
             <a:pPr algn="ctr">
               <a:defRPr sz="2400"/>
             </a:pPr>
+            <a:endParaRPr/>
           </a:p>
         </p:txBody>
       </p:sp>
@@ -7491,6 +7470,7 @@
               <a:pPr algn="ctr">
                 <a:defRPr sz="1600"/>
               </a:pPr>
+              <a:endParaRPr/>
             </a:p>
           </p:txBody>
         </p:sp>
@@ -7581,6 +7561,7 @@
               <a:pPr algn="ctr">
                 <a:defRPr sz="1600"/>
               </a:pPr>
+              <a:endParaRPr/>
             </a:p>
           </p:txBody>
         </p:sp>
@@ -7673,6 +7654,7 @@
               <a:pPr algn="ctr">
                 <a:defRPr sz="1400"/>
               </a:pPr>
+              <a:endParaRPr/>
             </a:p>
           </p:txBody>
         </p:sp>
@@ -7765,7 +7747,9 @@
         <p:txBody>
           <a:bodyPr/>
           <a:lstStyle/>
-          <a:p/>
+          <a:p>
+            <a:endParaRPr/>
+          </a:p>
         </p:txBody>
       </p:sp>
       <p:sp>
@@ -7887,15 +7871,16 @@
           <p:nvPr/>
         </p:nvPicPr>
         <p:blipFill>
-          <a:blip r:embed="rId2"/>
+          <a:blip r:embed="rId3"/>
+          <a:srcRect l="1720" r="4143"/>
           <a:stretch>
             <a:fillRect/>
           </a:stretch>
         </p:blipFill>
         <p:spPr>
           <a:xfrm>
-            <a:off x="325745" y="552554"/>
-            <a:ext cx="2999284" cy="5752892"/>
+            <a:off x="4297380" y="496165"/>
+            <a:ext cx="2823430" cy="5752892"/>
           </a:xfrm>
           <a:prstGeom prst="rect">
             <a:avLst/>
@@ -7916,14 +7901,14 @@
           <p:nvPr/>
         </p:nvPicPr>
         <p:blipFill>
-          <a:blip r:embed="rId3"/>
+          <a:blip r:embed="rId4"/>
           <a:stretch>
             <a:fillRect/>
           </a:stretch>
         </p:blipFill>
         <p:spPr>
           <a:xfrm>
-            <a:off x="3945888" y="484130"/>
+            <a:off x="4275398" y="486564"/>
             <a:ext cx="2706029" cy="5752892"/>
           </a:xfrm>
           <a:prstGeom prst="rect">
@@ -7945,14 +7930,14 @@
           <p:nvPr/>
         </p:nvPicPr>
         <p:blipFill>
-          <a:blip r:embed="rId4"/>
+          <a:blip r:embed="rId5"/>
           <a:stretch>
             <a:fillRect/>
           </a:stretch>
         </p:blipFill>
         <p:spPr>
           <a:xfrm>
-            <a:off x="7651637" y="460180"/>
+            <a:off x="4234499" y="394190"/>
             <a:ext cx="2895126" cy="5937640"/>
           </a:xfrm>
           <a:prstGeom prst="rect">
@@ -7974,15 +7959,15 @@
           <p:nvPr/>
         </p:nvPicPr>
         <p:blipFill>
-          <a:blip r:embed="rId5"/>
+          <a:blip r:embed="rId6"/>
           <a:stretch>
             <a:fillRect/>
           </a:stretch>
         </p:blipFill>
         <p:spPr>
           <a:xfrm>
-            <a:off x="6206166" y="878370"/>
-            <a:ext cx="2505548" cy="5427076"/>
+            <a:off x="4233070" y="391108"/>
+            <a:ext cx="2672361" cy="5788397"/>
           </a:xfrm>
           <a:prstGeom prst="rect">
             <a:avLst/>
@@ -8003,15 +7988,15 @@
           <p:nvPr/>
         </p:nvPicPr>
         <p:blipFill>
-          <a:blip r:embed="rId6"/>
+          <a:blip r:embed="rId7"/>
           <a:stretch>
             <a:fillRect/>
           </a:stretch>
         </p:blipFill>
         <p:spPr>
           <a:xfrm>
-            <a:off x="2117953" y="944084"/>
-            <a:ext cx="2568687" cy="5427076"/>
+            <a:off x="4087298" y="403791"/>
+            <a:ext cx="2739703" cy="5788396"/>
           </a:xfrm>
           <a:prstGeom prst="rect">
             <a:avLst/>
@@ -8316,7 +8301,7 @@
                                       <p:cBhvr>
                                         <p:cTn id="30" dur="indefinite" fill="hold"/>
                                         <p:tgtEl>
-                                          <p:spTgt spid="190"/>
+                                          <p:spTgt spid="191"/>
                                         </p:tgtEl>
                                         <p:attrNameLst>
                                           <p:attrName>style.visibility</p:attrName>
@@ -8361,7 +8346,7 @@
                                           </p:stCondLst>
                                         </p:cTn>
                                         <p:tgtEl>
-                                          <p:spTgt spid="190"/>
+                                          <p:spTgt spid="191"/>
                                         </p:tgtEl>
                                         <p:attrNameLst>
                                           <p:attrName>style.visibility</p:attrName>
@@ -8402,7 +8387,7 @@
                                       <p:cBhvr>
                                         <p:cTn id="38" dur="indefinite" fill="hold"/>
                                         <p:tgtEl>
-                                          <p:spTgt spid="191"/>
+                                          <p:spTgt spid="190"/>
                                         </p:tgtEl>
                                         <p:attrNameLst>
                                           <p:attrName>style.visibility</p:attrName>
@@ -8447,7 +8432,7 @@
                                           </p:stCondLst>
                                         </p:cTn>
                                         <p:tgtEl>
-                                          <p:spTgt spid="191"/>
+                                          <p:spTgt spid="190"/>
                                         </p:tgtEl>
                                         <p:attrNameLst>
                                           <p:attrName>style.visibility</p:attrName>
@@ -8529,7 +8514,7 @@
           <p:nvPr/>
         </p:nvPicPr>
         <p:blipFill rotWithShape="1">
-          <a:blip r:embed="rId1" cstate="screen"/>
+          <a:blip r:embed="rId3" cstate="screen"/>
           <a:srcRect/>
           <a:stretch>
             <a:fillRect/>
@@ -8571,7 +8556,6 @@
               <a:rPr lang="en-US" altLang="zh-CN" sz="2800" b="1" dirty="0"/>
               <a:t>Challenges &amp; Lessons Learned </a:t>
             </a:r>
-            <a:endParaRPr lang="en-US" altLang="zh-CN" sz="2800" b="1" dirty="0"/>
           </a:p>
         </p:txBody>
       </p:sp>
@@ -8583,8 +8567,8 @@
         </p:nvSpPr>
         <p:spPr>
           <a:xfrm>
-            <a:off x="593725" y="1351915"/>
-            <a:ext cx="10280015" cy="4154170"/>
+            <a:off x="798591" y="1420667"/>
+            <a:ext cx="10280015" cy="4524315"/>
           </a:xfrm>
           <a:prstGeom prst="rect">
             <a:avLst/>
@@ -8595,13 +8579,18 @@
           <a:bodyPr wrap="square" rtlCol="0">
             <a:spAutoFit/>
           </a:bodyPr>
-          <a:p>
-            <a:r>
-              <a:rPr lang="en-US" altLang="zh-CN" sz="2400"/>
-              <a:t>1. Handling consistent search navigation when the same screen can be reached from multiple entry points.                                             </a:t>
-            </a:r>
-            <a:r>
-              <a:rPr lang="en-US" altLang="zh-CN" sz="2400" b="1">
+          <a:lstStyle/>
+          <a:p>
+            <a:r>
+              <a:rPr lang="en-US" altLang="zh-CN" sz="2400" b="1" dirty="0"/>
+              <a:t>1. </a:t>
+            </a:r>
+            <a:r>
+              <a:rPr lang="en-US" altLang="zh-CN" sz="2400" dirty="0"/>
+              <a:t>Handling consistent search navigation when the same screen can be reached from multiple entry points.                                             </a:t>
+            </a:r>
+            <a:r>
+              <a:rPr lang="en-US" altLang="zh-CN" sz="2400" b="1" dirty="0">
                 <a:solidFill>
                   <a:schemeClr val="accent6"/>
                 </a:solidFill>
@@ -8609,15 +8598,19 @@
               </a:rPr>
               <a:t>--Solved</a:t>
             </a:r>
-            <a:endParaRPr lang="en-US" altLang="zh-CN" sz="2400"/>
-          </a:p>
-          <a:p>
-            <a:r>
-              <a:rPr lang="en-US" altLang="zh-CN" sz="2400"/>
-              <a:t>2. Deep Link Testing Challenges (sharing implementation)          </a:t>
-            </a:r>
-            <a:r>
-              <a:rPr lang="en-US" altLang="zh-CN" sz="2400" b="1">
+            <a:endParaRPr lang="en-US" altLang="zh-CN" sz="2400" dirty="0"/>
+          </a:p>
+          <a:p>
+            <a:r>
+              <a:rPr lang="en-US" altLang="zh-CN" sz="2400" b="1" dirty="0"/>
+              <a:t>2. </a:t>
+            </a:r>
+            <a:r>
+              <a:rPr lang="en-US" altLang="zh-CN" sz="2400" dirty="0"/>
+              <a:t>Deep Link Testing Challenges (sharing implementation)          </a:t>
+            </a:r>
+            <a:r>
+              <a:rPr lang="en-US" altLang="zh-CN" sz="2400" b="1" dirty="0">
                 <a:solidFill>
                   <a:schemeClr val="accent6"/>
                 </a:solidFill>
@@ -8625,15 +8618,27 @@
               </a:rPr>
               <a:t>--Solved</a:t>
             </a:r>
-            <a:endParaRPr lang="en-US" altLang="zh-CN" sz="2400"/>
-          </a:p>
-          <a:p>
-            <a:r>
-              <a:rPr lang="en-US" altLang="zh-CN" sz="2400"/>
-              <a:t>3. API Trade-off: Used RapidAPI for lower costs, despite occasional data instability.                                                                                     </a:t>
-            </a:r>
-            <a:r>
-              <a:rPr lang="en-US" altLang="zh-CN" sz="2400" b="1">
+            <a:endParaRPr lang="en-US" altLang="zh-CN" sz="2400" dirty="0"/>
+          </a:p>
+          <a:p>
+            <a:r>
+              <a:rPr lang="en-US" altLang="zh-CN" sz="2400" b="1" dirty="0"/>
+              <a:t>3. </a:t>
+            </a:r>
+            <a:r>
+              <a:rPr lang="en-US" altLang="zh-CN" sz="2400" dirty="0"/>
+              <a:t>API Trade-off: Used </a:t>
+            </a:r>
+            <a:r>
+              <a:rPr lang="en-US" altLang="zh-CN" sz="2400" dirty="0" err="1"/>
+              <a:t>RapidAPI</a:t>
+            </a:r>
+            <a:r>
+              <a:rPr lang="en-US" altLang="zh-CN" sz="2400" dirty="0"/>
+              <a:t> for lower costs, despite occasional data instability.                                                                                     </a:t>
+            </a:r>
+            <a:r>
+              <a:rPr lang="en-US" altLang="zh-CN" sz="2400" b="1" dirty="0">
                 <a:solidFill>
                   <a:schemeClr val="tx1">
                     <a:lumMod val="50000"/>
@@ -8644,18 +8649,9 @@
               </a:rPr>
               <a:t>--Unsolved</a:t>
             </a:r>
-            <a:endParaRPr lang="en-US" altLang="zh-CN" sz="2400" b="1">
-              <a:solidFill>
-                <a:schemeClr val="tx1">
-                  <a:lumMod val="50000"/>
-                  <a:lumOff val="50000"/>
-                </a:schemeClr>
-              </a:solidFill>
-              <a:sym typeface="+mn-ea"/>
-            </a:endParaRPr>
-          </a:p>
-          <a:p>
-            <a:endParaRPr lang="en-US" altLang="zh-CN" sz="2400">
+          </a:p>
+          <a:p>
+            <a:endParaRPr lang="en-US" altLang="zh-CN" sz="2400" dirty="0">
               <a:solidFill>
                 <a:schemeClr val="tx1"/>
               </a:solidFill>
@@ -8663,8 +8659,16 @@
             </a:endParaRPr>
           </a:p>
           <a:p>
-            <a:r>
-              <a:rPr lang="en-US" altLang="zh-CN" sz="2400">
+            <a:endParaRPr lang="en-US" altLang="zh-CN" sz="2400" dirty="0">
+              <a:solidFill>
+                <a:schemeClr val="tx1"/>
+              </a:solidFill>
+              <a:sym typeface="+mn-ea"/>
+            </a:endParaRPr>
+          </a:p>
+          <a:p>
+            <a:r>
+              <a:rPr lang="en-US" altLang="zh-CN" sz="2400" b="1" dirty="0">
                 <a:solidFill>
                   <a:schemeClr val="tx1"/>
                 </a:solidFill>
@@ -8672,49 +8676,44 @@
               </a:rPr>
               <a:t>What we’ve learned:</a:t>
             </a:r>
-            <a:endParaRPr lang="en-US" altLang="zh-CN" sz="2400">
-              <a:solidFill>
-                <a:schemeClr val="tx1"/>
-              </a:solidFill>
-              <a:sym typeface="+mn-ea"/>
-            </a:endParaRPr>
-          </a:p>
-          <a:p>
-            <a:r>
-              <a:rPr lang="en-US" altLang="zh-CN" sz="2400"/>
-              <a:t>- Our communication skills improved.</a:t>
-            </a:r>
-            <a:endParaRPr lang="en-US" altLang="zh-CN" sz="2400"/>
-          </a:p>
-          <a:p>
-            <a:r>
-              <a:rPr lang="en-US" altLang="zh-CN" sz="2400">
+          </a:p>
+          <a:p>
+            <a:pPr marL="342900" indent="-342900">
+              <a:buFont typeface="Arial" panose="020B0604020202020204" pitchFamily="34" charset="0"/>
+              <a:buChar char="•"/>
+            </a:pPr>
+            <a:r>
+              <a:rPr lang="en-US" altLang="zh-CN" sz="2400" dirty="0"/>
+              <a:t>Our communication skills improved.</a:t>
+            </a:r>
+          </a:p>
+          <a:p>
+            <a:pPr marL="342900" indent="-342900">
+              <a:buFont typeface="Arial" panose="020B0604020202020204" pitchFamily="34" charset="0"/>
+              <a:buChar char="•"/>
+            </a:pPr>
+            <a:r>
+              <a:rPr lang="en-US" altLang="zh-CN" sz="2400" dirty="0">
                 <a:solidFill>
                   <a:schemeClr val="tx1"/>
                 </a:solidFill>
               </a:rPr>
-              <a:t>- With every discussion, we gained a deeper understanding of the project and became a much more cohesive team.</a:t>
-            </a:r>
-            <a:endParaRPr lang="en-US" altLang="zh-CN" sz="2400">
-              <a:solidFill>
-                <a:schemeClr val="tx1"/>
-              </a:solidFill>
-            </a:endParaRPr>
-          </a:p>
-          <a:p>
-            <a:r>
-              <a:rPr lang="en-US" altLang="zh-CN" sz="2400">
+              <a:t>With every discussion, we gained a deeper understanding of the project and became a much more cohesive team.</a:t>
+            </a:r>
+          </a:p>
+          <a:p>
+            <a:pPr marL="342900" indent="-342900">
+              <a:buFont typeface="Arial" panose="020B0604020202020204" pitchFamily="34" charset="0"/>
+              <a:buChar char="•"/>
+            </a:pPr>
+            <a:r>
+              <a:rPr lang="en-US" altLang="zh-CN" sz="2400" dirty="0">
                 <a:solidFill>
                   <a:schemeClr val="tx1"/>
                 </a:solidFill>
               </a:rPr>
-              <a:t>- Agile methodology throughout development.</a:t>
-            </a:r>
-            <a:endParaRPr lang="en-US" altLang="zh-CN" sz="2400">
-              <a:solidFill>
-                <a:schemeClr val="tx1"/>
-              </a:solidFill>
-            </a:endParaRPr>
+              <a:t>Agile methodology throughout development.</a:t>
+            </a:r>
           </a:p>
         </p:txBody>
       </p:sp>
@@ -8752,7 +8751,7 @@
           <p:nvPr/>
         </p:nvPicPr>
         <p:blipFill rotWithShape="1">
-          <a:blip r:embed="rId1" cstate="screen"/>
+          <a:blip r:embed="rId3" cstate="screen"/>
           <a:srcRect/>
           <a:stretch>
             <a:fillRect/>
@@ -8794,7 +8793,6 @@
               <a:rPr lang="en-US" altLang="zh-CN" sz="2800" b="1" dirty="0"/>
               <a:t>AI Usage </a:t>
             </a:r>
-            <a:endParaRPr lang="en-US" altLang="zh-CN" sz="2800" b="1" dirty="0"/>
           </a:p>
         </p:txBody>
       </p:sp>
@@ -8806,8 +8804,8 @@
         </p:nvSpPr>
         <p:spPr>
           <a:xfrm>
-            <a:off x="617855" y="1047750"/>
-            <a:ext cx="10002520" cy="3415030"/>
+            <a:off x="716089" y="1034000"/>
+            <a:ext cx="11097465" cy="3416320"/>
           </a:xfrm>
           <a:prstGeom prst="rect">
             <a:avLst/>
@@ -8818,36 +8816,38 @@
           <a:bodyPr wrap="square" rtlCol="0">
             <a:spAutoFit/>
           </a:bodyPr>
-          <a:p>
-            <a:r>
-              <a:rPr lang="en-US" altLang="zh-CN" sz="2400"/>
-              <a:t>- ChatGPT</a:t>
-            </a:r>
-            <a:endParaRPr lang="en-US" altLang="zh-CN" sz="2400"/>
+          <a:lstStyle/>
+          <a:p>
+            <a:r>
+              <a:rPr lang="en-US" altLang="zh-CN" sz="2400" b="1" dirty="0"/>
+              <a:t>ChatGPT</a:t>
+            </a:r>
+          </a:p>
+          <a:p>
+            <a:pPr marL="457200" indent="-457200">
+              <a:buAutoNum type="arabicPeriod"/>
+            </a:pPr>
+            <a:r>
+              <a:rPr lang="en-US" altLang="zh-CN" sz="2400" dirty="0"/>
+              <a:t>Analyze the project, summarize technical highlights and core features, thereby help us write reports and make presentation.</a:t>
+            </a:r>
+          </a:p>
+          <a:p>
+            <a:pPr marL="457200" indent="-457200">
+              <a:buAutoNum type="arabicPeriod"/>
+            </a:pPr>
+            <a:r>
+              <a:rPr lang="en-US" altLang="zh-CN" sz="2400" dirty="0"/>
+              <a:t>Use OpenAI's API to perform natural language processing (NLP) for our projects: extract short titles from Amazon's titles; and use these short titles to query other platform APIs and determine which returned product titles best matched the original item.</a:t>
+            </a:r>
+          </a:p>
+          <a:p>
+            <a:pPr lvl="0" indent="457200"/>
+            <a:endParaRPr lang="en-US" altLang="zh-CN" sz="2400" dirty="0"/>
           </a:p>
           <a:p>
             <a:pPr indent="457200"/>
-            <a:r>
-              <a:rPr lang="en-US" altLang="zh-CN" sz="2400"/>
-              <a:t>1. Analyze the project, summarize technical highlights and core features, thereby help us write reports and make presentation.</a:t>
-            </a:r>
-            <a:endParaRPr lang="en-US" altLang="zh-CN" sz="2400"/>
-          </a:p>
-          <a:p>
-            <a:pPr indent="457200"/>
-            <a:r>
-              <a:rPr lang="en-US" altLang="zh-CN" sz="2400"/>
-              <a:t>2. Use OpenAI's API to perform natural language processing (NLP) for our projects: extract short titles from Amazon's titles; and use these short titles to query other platform APIs and determine which returned product titles best matched the original item.</a:t>
-            </a:r>
-            <a:endParaRPr lang="en-US" altLang="zh-CN" sz="2400"/>
-          </a:p>
-          <a:p>
-            <a:pPr lvl="0" indent="457200"/>
-            <a:endParaRPr lang="en-US" altLang="zh-CN" sz="2400"/>
-          </a:p>
-          <a:p>
-            <a:pPr indent="457200"/>
-            <a:endParaRPr lang="en-US" altLang="zh-CN" sz="2400"/>
+            <a:endParaRPr lang="en-US" altLang="zh-CN" sz="2400" dirty="0"/>
           </a:p>
         </p:txBody>
       </p:sp>
@@ -8859,8 +8859,8 @@
         </p:nvSpPr>
         <p:spPr>
           <a:xfrm>
-            <a:off x="617855" y="3893185"/>
-            <a:ext cx="10002520" cy="2585720"/>
+            <a:off x="716089" y="3975688"/>
+            <a:ext cx="10767456" cy="2585720"/>
           </a:xfrm>
           <a:prstGeom prst="rect">
             <a:avLst/>
@@ -8871,36 +8871,30 @@
           <a:bodyPr wrap="square" rtlCol="0">
             <a:noAutofit/>
           </a:bodyPr>
-          <a:p>
-            <a:r>
-              <a:rPr lang="en-US" altLang="zh-CN" sz="2400"/>
-              <a:t>- Claude</a:t>
-            </a:r>
-            <a:endParaRPr lang="en-US" altLang="zh-CN" sz="2400"/>
-          </a:p>
-          <a:p>
-            <a:pPr indent="457200"/>
-            <a:r>
-              <a:rPr lang="en-US" altLang="zh-CN" sz="2400"/>
-              <a:t>1. To enhance efficiency, we employed Claude to rapidly scaffold the project framework, while manually implementing detailed code logic ourselves, including all the feature and structure designing.</a:t>
-            </a:r>
-            <a:endParaRPr lang="en-US" altLang="zh-CN" sz="2400"/>
-          </a:p>
-          <a:p>
-            <a:pPr indent="457200"/>
-            <a:r>
-              <a:rPr lang="en-US" altLang="zh-CN" sz="2400"/>
-              <a:t>2. Quickly identify overlooked issues during debugging.</a:t>
-            </a:r>
-            <a:endParaRPr lang="en-US" altLang="zh-CN" sz="2400"/>
-          </a:p>
-          <a:p>
-            <a:pPr lvl="0" indent="457200"/>
-            <a:endParaRPr lang="en-US" altLang="zh-CN" sz="2400"/>
-          </a:p>
-          <a:p>
-            <a:pPr indent="457200"/>
-            <a:endParaRPr lang="en-US" altLang="zh-CN" sz="2400"/>
+          <a:lstStyle/>
+          <a:p>
+            <a:r>
+              <a:rPr lang="en-US" altLang="zh-CN" sz="2400" b="1" dirty="0"/>
+              <a:t>Claude</a:t>
+            </a:r>
+          </a:p>
+          <a:p>
+            <a:pPr marL="457200" indent="-457200">
+              <a:buAutoNum type="arabicPeriod"/>
+            </a:pPr>
+            <a:r>
+              <a:rPr lang="en-US" altLang="zh-CN" sz="2400" dirty="0"/>
+              <a:t>To enhance efficiency, we employed Claude to rapidly scaffold the project framework, while manually implementing detailed code logic ourselves, including all the feature and structure designing.</a:t>
+            </a:r>
+          </a:p>
+          <a:p>
+            <a:pPr marL="457200" indent="-457200">
+              <a:buAutoNum type="arabicPeriod"/>
+            </a:pPr>
+            <a:r>
+              <a:rPr lang="en-US" altLang="zh-CN" sz="2400" dirty="0"/>
+              <a:t>Quickly identify overlooked issues during debugging.</a:t>
+            </a:r>
           </a:p>
         </p:txBody>
       </p:sp>
@@ -8938,7 +8932,7 @@
           <p:nvPr/>
         </p:nvPicPr>
         <p:blipFill rotWithShape="1">
-          <a:blip r:embed="rId1" cstate="screen">
+          <a:blip r:embed="rId3" cstate="screen">
             <a:alphaModFix amt="50000"/>
           </a:blip>
           <a:srcRect/>
@@ -8994,8 +8988,8 @@
         </p:nvSpPr>
         <p:spPr>
           <a:xfrm>
-            <a:off x="617855" y="1047750"/>
-            <a:ext cx="10002520" cy="4154170"/>
+            <a:off x="720815" y="1536174"/>
+            <a:ext cx="10002520" cy="3785652"/>
           </a:xfrm>
           <a:prstGeom prst="rect">
             <a:avLst/>
@@ -9006,17 +9000,16 @@
           <a:bodyPr wrap="square" rtlCol="0">
             <a:spAutoFit/>
           </a:bodyPr>
-          <a:p>
-            <a:r>
-              <a:rPr lang="en-US" altLang="zh-CN" sz="2400"/>
-              <a:t>- Stretch Goals</a:t>
-            </a:r>
-            <a:endParaRPr lang="en-US" altLang="zh-CN" sz="2400"/>
-          </a:p>
-          <a:p>
-            <a:pPr indent="457200"/>
-            <a:r>
-              <a:rPr lang="en-US" altLang="zh-CN" sz="2400" b="1">
+          <a:lstStyle/>
+          <a:p>
+            <a:r>
+              <a:rPr lang="en-US" altLang="zh-CN" sz="2400" b="1" dirty="0"/>
+              <a:t>Stretch Goals</a:t>
+            </a:r>
+          </a:p>
+          <a:p>
+            <a:r>
+              <a:rPr lang="en-US" altLang="zh-CN" sz="2400" b="1" dirty="0">
                 <a:solidFill>
                   <a:schemeClr val="accent6"/>
                 </a:solidFill>
@@ -9024,15 +9017,13 @@
               <a:t>√</a:t>
             </a:r>
             <a:r>
-              <a:rPr lang="en-US" altLang="zh-CN" sz="2400"/>
+              <a:rPr lang="en-US" altLang="zh-CN" sz="2400" dirty="0"/>
               <a:t>product sharing</a:t>
             </a:r>
-            <a:endParaRPr lang="en-US" altLang="zh-CN" sz="2400"/>
-          </a:p>
-          <a:p>
-            <a:pPr indent="457200"/>
-            <a:r>
-              <a:rPr lang="en-US" altLang="zh-CN" sz="2400" b="1">
+          </a:p>
+          <a:p>
+            <a:r>
+              <a:rPr lang="en-US" altLang="zh-CN" sz="2400" b="1" dirty="0">
                 <a:solidFill>
                   <a:schemeClr val="accent6"/>
                 </a:solidFill>
@@ -9040,57 +9031,54 @@
               <a:t>√</a:t>
             </a:r>
             <a:r>
-              <a:rPr lang="en-US" altLang="zh-CN" sz="2400"/>
+              <a:rPr lang="en-US" altLang="zh-CN" sz="2400" dirty="0"/>
               <a:t>personalized recommendations based on users’ browsing history</a:t>
             </a:r>
-            <a:endParaRPr lang="en-US" altLang="zh-CN" sz="2400"/>
           </a:p>
           <a:p>
             <a:pPr indent="457200"/>
-            <a:endParaRPr lang="en-US" altLang="zh-CN" sz="2400"/>
-          </a:p>
-          <a:p>
-            <a:r>
-              <a:rPr lang="en-US" altLang="zh-CN" sz="2400"/>
-              <a:t>- Future Work</a:t>
-            </a:r>
-            <a:endParaRPr lang="en-US" altLang="zh-CN" sz="2400"/>
+            <a:endParaRPr lang="en-US" altLang="zh-CN" sz="2400" dirty="0"/>
+          </a:p>
+          <a:p>
+            <a:r>
+              <a:rPr lang="en-US" altLang="zh-CN" sz="2400" b="1" dirty="0"/>
+              <a:t>Future Work</a:t>
+            </a:r>
+          </a:p>
+          <a:p>
+            <a:pPr marL="457200" indent="-457200">
+              <a:buAutoNum type="arabicPeriod"/>
+            </a:pPr>
+            <a:r>
+              <a:rPr lang="en-US" altLang="zh-CN" sz="2400" dirty="0"/>
+              <a:t>Enhance search and recommendations using vector-based search.</a:t>
+            </a:r>
+          </a:p>
+          <a:p>
+            <a:pPr marL="457200" indent="-457200">
+              <a:buAutoNum type="arabicPeriod"/>
+            </a:pPr>
+            <a:r>
+              <a:rPr lang="en-US" altLang="zh-CN" sz="2400" dirty="0"/>
+              <a:t>Improve recommendation quality by weighting different user behaviors.</a:t>
+            </a:r>
+          </a:p>
+          <a:p>
+            <a:pPr marL="457200" indent="-457200">
+              <a:buAutoNum type="arabicPeriod"/>
+            </a:pPr>
+            <a:r>
+              <a:rPr lang="en-US" altLang="zh-CN" sz="2400" dirty="0"/>
+              <a:t>Populate the database with thousands of items.</a:t>
+            </a:r>
+          </a:p>
+          <a:p>
+            <a:pPr lvl="0" indent="457200"/>
+            <a:endParaRPr lang="en-US" altLang="zh-CN" sz="2400" dirty="0"/>
           </a:p>
           <a:p>
             <a:pPr indent="457200"/>
-            <a:r>
-              <a:rPr lang="en-US" altLang="zh-CN" sz="2400"/>
-              <a:t>1. </a:t>
-            </a:r>
-            <a:r>
-              <a:rPr lang="en-US" altLang="zh-CN" sz="2400"/>
-              <a:t>Enhance search and recommendations using vector-based search.</a:t>
-            </a:r>
-            <a:endParaRPr lang="en-US" altLang="zh-CN" sz="2400"/>
-          </a:p>
-          <a:p>
-            <a:pPr indent="457200"/>
-            <a:r>
-              <a:rPr lang="en-US" altLang="zh-CN" sz="2400"/>
-              <a:t>2. Improve recommendation quality by weighting different user behaviors.</a:t>
-            </a:r>
-            <a:endParaRPr lang="en-US" altLang="zh-CN" sz="2400"/>
-          </a:p>
-          <a:p>
-            <a:pPr indent="457200"/>
-            <a:r>
-              <a:rPr lang="en-US" altLang="zh-CN" sz="2400"/>
-              <a:t>3. Populate the database with thousands of items.</a:t>
-            </a:r>
-            <a:endParaRPr lang="en-US" altLang="zh-CN" sz="2400"/>
-          </a:p>
-          <a:p>
-            <a:pPr lvl="0" indent="457200"/>
-            <a:endParaRPr lang="en-US" altLang="zh-CN" sz="2400"/>
-          </a:p>
-          <a:p>
-            <a:pPr indent="457200"/>
-            <a:endParaRPr lang="en-US" altLang="zh-CN" sz="2400"/>
+            <a:endParaRPr lang="en-US" altLang="zh-CN" sz="2400" dirty="0"/>
           </a:p>
         </p:txBody>
       </p:sp>
@@ -9128,7 +9116,7 @@
           <p:nvPr/>
         </p:nvPicPr>
         <p:blipFill rotWithShape="1">
-          <a:blip r:embed="rId1" cstate="screen"/>
+          <a:blip r:embed="rId2" cstate="screen"/>
           <a:srcRect/>
           <a:stretch>
             <a:fillRect/>
@@ -9179,15 +9167,6 @@
               </a:rPr>
               <a:t>Thanks for Listening</a:t>
             </a:r>
-            <a:endParaRPr lang="en-US" altLang="zh-CN" sz="8800" b="1" dirty="0">
-              <a:solidFill>
-                <a:schemeClr val="bg2">
-                  <a:lumMod val="50000"/>
-                </a:schemeClr>
-              </a:solidFill>
-              <a:cs typeface="+mn-ea"/>
-              <a:sym typeface="+mn-lt"/>
-            </a:endParaRPr>
           </a:p>
         </p:txBody>
       </p:sp>
@@ -9471,6 +9450,7 @@
       </a:style>
     </a:lnDef>
   </a:objectDefaults>
+  <a:extraClrSchemeLst/>
   <a:extLst>
     <a:ext uri="{05A4C25C-085E-4340-85A3-A5531E510DB2}">
       <thm15:themeFamily xmlns:thm15="http://schemas.microsoft.com/office/thememl/2012/main" name="Office Theme" id="{62F939B6-93AF-4DB8-9C6B-D6C7DFDC589F}" vid="{4A3C46E8-61CC-4603-A589-7422A47A8E4A}"/>
@@ -9751,6 +9731,7 @@
       </a:style>
     </a:lnDef>
   </a:objectDefaults>
+  <a:extraClrSchemeLst/>
   <a:extLst>
     <a:ext uri="{05A4C25C-085E-4340-85A3-A5531E510DB2}">
       <thm15:themeFamily xmlns:thm15="http://schemas.microsoft.com/office/thememl/2012/main" name="Office Theme" id="{62F939B6-93AF-4DB8-9C6B-D6C7DFDC589F}" vid="{4A3C46E8-61CC-4603-A589-7422A47A8E4A}"/>
